--- a/ppts/week 1.pptx
+++ b/ppts/week 1.pptx
@@ -7,6 +7,8 @@
   <p:sldIdLst>
     <p:sldId id="256" r:id="rId2"/>
     <p:sldId id="257" r:id="rId3"/>
+    <p:sldId id="258" r:id="rId4"/>
+    <p:sldId id="259" r:id="rId5"/>
   </p:sldIdLst>
   <p:sldSz cx="12192000" cy="6858000"/>
   <p:notesSz cx="6858000" cy="9144000"/>
@@ -105,6 +107,11 @@
       </a:defRPr>
     </a:lvl9pPr>
   </p:defaultTextStyle>
+  <p:extLst>
+    <p:ext uri="{EFAFB233-063F-42B5-8137-9DF3F51BA10A}">
+      <p15:sldGuideLst xmlns:p15="http://schemas.microsoft.com/office/powerpoint/2012/main"/>
+    </p:ext>
+  </p:extLst>
 </p:presentation>
 </file>
 
@@ -610,7 +617,7 @@
           <a:p>
             <a:fld id="{F62DDD48-7A92-484B-AA80-9D340441BF02}" type="datetimeFigureOut">
               <a:rPr lang="en-IN" smtClean="0"/>
-              <a:t>03-03-2021</a:t>
+              <a:t>07-03-2021</a:t>
             </a:fld>
             <a:endParaRPr lang="en-IN"/>
           </a:p>
@@ -906,7 +913,7 @@
           <a:p>
             <a:fld id="{F62DDD48-7A92-484B-AA80-9D340441BF02}" type="datetimeFigureOut">
               <a:rPr lang="en-IN" smtClean="0"/>
-              <a:t>03-03-2021</a:t>
+              <a:t>07-03-2021</a:t>
             </a:fld>
             <a:endParaRPr lang="en-IN"/>
           </a:p>
@@ -1154,7 +1161,7 @@
           <a:p>
             <a:fld id="{F62DDD48-7A92-484B-AA80-9D340441BF02}" type="datetimeFigureOut">
               <a:rPr lang="en-IN" smtClean="0"/>
-              <a:t>03-03-2021</a:t>
+              <a:t>07-03-2021</a:t>
             </a:fld>
             <a:endParaRPr lang="en-IN"/>
           </a:p>
@@ -1694,7 +1701,7 @@
           <a:p>
             <a:fld id="{F62DDD48-7A92-484B-AA80-9D340441BF02}" type="datetimeFigureOut">
               <a:rPr lang="en-IN" smtClean="0"/>
-              <a:t>03-03-2021</a:t>
+              <a:t>07-03-2021</a:t>
             </a:fld>
             <a:endParaRPr lang="en-IN"/>
           </a:p>
@@ -1942,7 +1949,7 @@
           <a:p>
             <a:fld id="{F62DDD48-7A92-484B-AA80-9D340441BF02}" type="datetimeFigureOut">
               <a:rPr lang="en-IN" smtClean="0"/>
-              <a:t>03-03-2021</a:t>
+              <a:t>07-03-2021</a:t>
             </a:fld>
             <a:endParaRPr lang="en-IN"/>
           </a:p>
@@ -2474,7 +2481,7 @@
           <a:p>
             <a:fld id="{F62DDD48-7A92-484B-AA80-9D340441BF02}" type="datetimeFigureOut">
               <a:rPr lang="en-IN" smtClean="0"/>
-              <a:t>03-03-2021</a:t>
+              <a:t>07-03-2021</a:t>
             </a:fld>
             <a:endParaRPr lang="en-IN"/>
           </a:p>
@@ -2771,7 +2778,7 @@
           <a:p>
             <a:fld id="{F62DDD48-7A92-484B-AA80-9D340441BF02}" type="datetimeFigureOut">
               <a:rPr lang="en-IN" smtClean="0"/>
-              <a:t>03-03-2021</a:t>
+              <a:t>07-03-2021</a:t>
             </a:fld>
             <a:endParaRPr lang="en-IN"/>
           </a:p>
@@ -2945,7 +2952,7 @@
           <a:p>
             <a:fld id="{F62DDD48-7A92-484B-AA80-9D340441BF02}" type="datetimeFigureOut">
               <a:rPr lang="en-IN" smtClean="0"/>
-              <a:t>03-03-2021</a:t>
+              <a:t>07-03-2021</a:t>
             </a:fld>
             <a:endParaRPr lang="en-IN"/>
           </a:p>
@@ -3125,7 +3132,7 @@
           <a:p>
             <a:fld id="{F62DDD48-7A92-484B-AA80-9D340441BF02}" type="datetimeFigureOut">
               <a:rPr lang="en-IN" smtClean="0"/>
-              <a:t>03-03-2021</a:t>
+              <a:t>07-03-2021</a:t>
             </a:fld>
             <a:endParaRPr lang="en-IN"/>
           </a:p>
@@ -3295,7 +3302,7 @@
           <a:p>
             <a:fld id="{F62DDD48-7A92-484B-AA80-9D340441BF02}" type="datetimeFigureOut">
               <a:rPr lang="en-IN" smtClean="0"/>
-              <a:t>03-03-2021</a:t>
+              <a:t>07-03-2021</a:t>
             </a:fld>
             <a:endParaRPr lang="en-IN"/>
           </a:p>
@@ -3546,7 +3553,7 @@
           <a:p>
             <a:fld id="{F62DDD48-7A92-484B-AA80-9D340441BF02}" type="datetimeFigureOut">
               <a:rPr lang="en-IN" smtClean="0"/>
-              <a:t>03-03-2021</a:t>
+              <a:t>07-03-2021</a:t>
             </a:fld>
             <a:endParaRPr lang="en-IN"/>
           </a:p>
@@ -3843,7 +3850,7 @@
           <a:p>
             <a:fld id="{F62DDD48-7A92-484B-AA80-9D340441BF02}" type="datetimeFigureOut">
               <a:rPr lang="en-IN" smtClean="0"/>
-              <a:t>03-03-2021</a:t>
+              <a:t>07-03-2021</a:t>
             </a:fld>
             <a:endParaRPr lang="en-IN"/>
           </a:p>
@@ -4285,7 +4292,7 @@
           <a:p>
             <a:fld id="{F62DDD48-7A92-484B-AA80-9D340441BF02}" type="datetimeFigureOut">
               <a:rPr lang="en-IN" smtClean="0"/>
-              <a:t>03-03-2021</a:t>
+              <a:t>07-03-2021</a:t>
             </a:fld>
             <a:endParaRPr lang="en-IN"/>
           </a:p>
@@ -4403,7 +4410,7 @@
           <a:p>
             <a:fld id="{F62DDD48-7A92-484B-AA80-9D340441BF02}" type="datetimeFigureOut">
               <a:rPr lang="en-IN" smtClean="0"/>
-              <a:t>03-03-2021</a:t>
+              <a:t>07-03-2021</a:t>
             </a:fld>
             <a:endParaRPr lang="en-IN"/>
           </a:p>
@@ -4498,7 +4505,7 @@
           <a:p>
             <a:fld id="{F62DDD48-7A92-484B-AA80-9D340441BF02}" type="datetimeFigureOut">
               <a:rPr lang="en-IN" smtClean="0"/>
-              <a:t>03-03-2021</a:t>
+              <a:t>07-03-2021</a:t>
             </a:fld>
             <a:endParaRPr lang="en-IN"/>
           </a:p>
@@ -4781,7 +4788,7 @@
           <a:p>
             <a:fld id="{F62DDD48-7A92-484B-AA80-9D340441BF02}" type="datetimeFigureOut">
               <a:rPr lang="en-IN" smtClean="0"/>
-              <a:t>03-03-2021</a:t>
+              <a:t>07-03-2021</a:t>
             </a:fld>
             <a:endParaRPr lang="en-IN"/>
           </a:p>
@@ -5072,7 +5079,7 @@
           <a:p>
             <a:fld id="{F62DDD48-7A92-484B-AA80-9D340441BF02}" type="datetimeFigureOut">
               <a:rPr lang="en-IN" smtClean="0"/>
-              <a:t>03-03-2021</a:t>
+              <a:t>07-03-2021</a:t>
             </a:fld>
             <a:endParaRPr lang="en-IN"/>
           </a:p>
@@ -5602,7 +5609,7 @@
           <a:p>
             <a:fld id="{F62DDD48-7A92-484B-AA80-9D340441BF02}" type="datetimeFigureOut">
               <a:rPr lang="en-IN" smtClean="0"/>
-              <a:t>03-03-2021</a:t>
+              <a:t>07-03-2021</a:t>
             </a:fld>
             <a:endParaRPr lang="en-IN"/>
           </a:p>
@@ -6331,6 +6338,190 @@
 </p:sld>
 </file>
 
+<file path=ppt/slides/slide3.xml><?xml version="1.0" encoding="utf-8"?>
+<p:sld xmlns:a="http://schemas.openxmlformats.org/drawingml/2006/main" xmlns:r="http://schemas.openxmlformats.org/officeDocument/2006/relationships" xmlns:p="http://schemas.openxmlformats.org/presentationml/2006/main">
+  <p:cSld>
+    <p:spTree>
+      <p:nvGrpSpPr>
+        <p:cNvPr id="1" name=""/>
+        <p:cNvGrpSpPr/>
+        <p:nvPr/>
+      </p:nvGrpSpPr>
+      <p:grpSpPr>
+        <a:xfrm>
+          <a:off x="0" y="0"/>
+          <a:ext cx="0" cy="0"/>
+          <a:chOff x="0" y="0"/>
+          <a:chExt cx="0" cy="0"/>
+        </a:xfrm>
+      </p:grpSpPr>
+      <p:sp>
+        <p:nvSpPr>
+          <p:cNvPr id="2" name="Title 1"/>
+          <p:cNvSpPr>
+            <a:spLocks noGrp="1"/>
+          </p:cNvSpPr>
+          <p:nvPr>
+            <p:ph type="title"/>
+          </p:nvPr>
+        </p:nvSpPr>
+        <p:spPr/>
+        <p:txBody>
+          <a:bodyPr/>
+          <a:lstStyle/>
+          <a:p>
+            <a:r>
+              <a:rPr lang="en-US" dirty="0" smtClean="0"/>
+              <a:t>Kaggle</a:t>
+            </a:r>
+            <a:endParaRPr lang="en-IN" dirty="0"/>
+          </a:p>
+        </p:txBody>
+      </p:sp>
+      <p:sp>
+        <p:nvSpPr>
+          <p:cNvPr id="3" name="Content Placeholder 2"/>
+          <p:cNvSpPr>
+            <a:spLocks noGrp="1"/>
+          </p:cNvSpPr>
+          <p:nvPr>
+            <p:ph idx="1"/>
+          </p:nvPr>
+        </p:nvSpPr>
+        <p:spPr/>
+        <p:txBody>
+          <a:bodyPr/>
+          <a:lstStyle/>
+          <a:p>
+            <a:r>
+              <a:rPr lang="en-US" dirty="0" smtClean="0"/>
+              <a:t>The most important source for this project is </a:t>
+            </a:r>
+            <a:r>
+              <a:rPr lang="en-US" dirty="0" smtClean="0">
+                <a:hlinkClick r:id="rId2"/>
+              </a:rPr>
+              <a:t>www.kaggle.com</a:t>
+            </a:r>
+            <a:r>
+              <a:rPr lang="en-US" dirty="0" smtClean="0"/>
+              <a:t> .</a:t>
+            </a:r>
+          </a:p>
+          <a:p>
+            <a:r>
+              <a:rPr lang="en-US" dirty="0" smtClean="0"/>
+              <a:t>It supplies most of the relevant information and images which is required for this project.</a:t>
+            </a:r>
+            <a:endParaRPr lang="en-IN" dirty="0"/>
+          </a:p>
+        </p:txBody>
+      </p:sp>
+    </p:spTree>
+    <p:extLst>
+      <p:ext uri="{BB962C8B-B14F-4D97-AF65-F5344CB8AC3E}">
+        <p14:creationId xmlns:p14="http://schemas.microsoft.com/office/powerpoint/2010/main" val="195082496"/>
+      </p:ext>
+    </p:extLst>
+  </p:cSld>
+  <p:clrMapOvr>
+    <a:masterClrMapping/>
+  </p:clrMapOvr>
+</p:sld>
+</file>
+
+<file path=ppt/slides/slide4.xml><?xml version="1.0" encoding="utf-8"?>
+<p:sld xmlns:a="http://schemas.openxmlformats.org/drawingml/2006/main" xmlns:r="http://schemas.openxmlformats.org/officeDocument/2006/relationships" xmlns:p="http://schemas.openxmlformats.org/presentationml/2006/main">
+  <p:cSld>
+    <p:spTree>
+      <p:nvGrpSpPr>
+        <p:cNvPr id="1" name=""/>
+        <p:cNvGrpSpPr/>
+        <p:nvPr/>
+      </p:nvGrpSpPr>
+      <p:grpSpPr>
+        <a:xfrm>
+          <a:off x="0" y="0"/>
+          <a:ext cx="0" cy="0"/>
+          <a:chOff x="0" y="0"/>
+          <a:chExt cx="0" cy="0"/>
+        </a:xfrm>
+      </p:grpSpPr>
+      <p:sp>
+        <p:nvSpPr>
+          <p:cNvPr id="2" name="Title 1"/>
+          <p:cNvSpPr>
+            <a:spLocks noGrp="1"/>
+          </p:cNvSpPr>
+          <p:nvPr>
+            <p:ph type="title"/>
+          </p:nvPr>
+        </p:nvSpPr>
+        <p:spPr/>
+        <p:txBody>
+          <a:bodyPr/>
+          <a:lstStyle/>
+          <a:p>
+            <a:r>
+              <a:rPr lang="en-US" dirty="0" smtClean="0"/>
+              <a:t>Google Images</a:t>
+            </a:r>
+            <a:endParaRPr lang="en-IN" dirty="0"/>
+          </a:p>
+        </p:txBody>
+      </p:sp>
+      <p:sp>
+        <p:nvSpPr>
+          <p:cNvPr id="3" name="Content Placeholder 2"/>
+          <p:cNvSpPr>
+            <a:spLocks noGrp="1"/>
+          </p:cNvSpPr>
+          <p:nvPr>
+            <p:ph idx="1"/>
+          </p:nvPr>
+        </p:nvSpPr>
+        <p:spPr/>
+        <p:txBody>
+          <a:bodyPr/>
+          <a:lstStyle/>
+          <a:p>
+            <a:r>
+              <a:rPr lang="en-US" dirty="0" smtClean="0"/>
+              <a:t>Other sources are </a:t>
+            </a:r>
+            <a:r>
+              <a:rPr lang="en-US" dirty="0" smtClean="0">
+                <a:hlinkClick r:id="rId2" action="ppaction://hlinkfile"/>
+              </a:rPr>
+              <a:t>images.google.com</a:t>
+            </a:r>
+            <a:r>
+              <a:rPr lang="en-US" dirty="0" smtClean="0"/>
+              <a:t> </a:t>
+            </a:r>
+          </a:p>
+          <a:p>
+            <a:r>
+              <a:rPr lang="en-US" dirty="0" smtClean="0"/>
+              <a:t>This website provides additional photos to be added to dataset to make it more accurate.</a:t>
+            </a:r>
+            <a:endParaRPr lang="en-IN" dirty="0"/>
+          </a:p>
+        </p:txBody>
+      </p:sp>
+    </p:spTree>
+    <p:extLst>
+      <p:ext uri="{BB962C8B-B14F-4D97-AF65-F5344CB8AC3E}">
+        <p14:creationId xmlns:p14="http://schemas.microsoft.com/office/powerpoint/2010/main" val="3574318987"/>
+      </p:ext>
+    </p:extLst>
+  </p:cSld>
+  <p:clrMapOvr>
+    <a:masterClrMapping/>
+  </p:clrMapOvr>
+</p:sld>
+</file>
+
 <file path=ppt/theme/theme1.xml><?xml version="1.0" encoding="utf-8"?>
 <a:theme xmlns:a="http://schemas.openxmlformats.org/drawingml/2006/main" name="Parallax">
   <a:themeElements>

--- a/ppts/week 1.pptx
+++ b/ppts/week 1.pptx
@@ -9,6 +9,9 @@
     <p:sldId id="257" r:id="rId3"/>
     <p:sldId id="258" r:id="rId4"/>
     <p:sldId id="259" r:id="rId5"/>
+    <p:sldId id="260" r:id="rId6"/>
+    <p:sldId id="261" r:id="rId7"/>
+    <p:sldId id="262" r:id="rId8"/>
   </p:sldIdLst>
   <p:sldSz cx="12192000" cy="6858000"/>
   <p:notesSz cx="6858000" cy="9144000"/>
@@ -617,7 +620,7 @@
           <a:p>
             <a:fld id="{F62DDD48-7A92-484B-AA80-9D340441BF02}" type="datetimeFigureOut">
               <a:rPr lang="en-IN" smtClean="0"/>
-              <a:t>07-03-2021</a:t>
+              <a:t>11-03-2021</a:t>
             </a:fld>
             <a:endParaRPr lang="en-IN"/>
           </a:p>
@@ -913,7 +916,7 @@
           <a:p>
             <a:fld id="{F62DDD48-7A92-484B-AA80-9D340441BF02}" type="datetimeFigureOut">
               <a:rPr lang="en-IN" smtClean="0"/>
-              <a:t>07-03-2021</a:t>
+              <a:t>11-03-2021</a:t>
             </a:fld>
             <a:endParaRPr lang="en-IN"/>
           </a:p>
@@ -1161,7 +1164,7 @@
           <a:p>
             <a:fld id="{F62DDD48-7A92-484B-AA80-9D340441BF02}" type="datetimeFigureOut">
               <a:rPr lang="en-IN" smtClean="0"/>
-              <a:t>07-03-2021</a:t>
+              <a:t>11-03-2021</a:t>
             </a:fld>
             <a:endParaRPr lang="en-IN"/>
           </a:p>
@@ -1701,7 +1704,7 @@
           <a:p>
             <a:fld id="{F62DDD48-7A92-484B-AA80-9D340441BF02}" type="datetimeFigureOut">
               <a:rPr lang="en-IN" smtClean="0"/>
-              <a:t>07-03-2021</a:t>
+              <a:t>11-03-2021</a:t>
             </a:fld>
             <a:endParaRPr lang="en-IN"/>
           </a:p>
@@ -1949,7 +1952,7 @@
           <a:p>
             <a:fld id="{F62DDD48-7A92-484B-AA80-9D340441BF02}" type="datetimeFigureOut">
               <a:rPr lang="en-IN" smtClean="0"/>
-              <a:t>07-03-2021</a:t>
+              <a:t>11-03-2021</a:t>
             </a:fld>
             <a:endParaRPr lang="en-IN"/>
           </a:p>
@@ -2481,7 +2484,7 @@
           <a:p>
             <a:fld id="{F62DDD48-7A92-484B-AA80-9D340441BF02}" type="datetimeFigureOut">
               <a:rPr lang="en-IN" smtClean="0"/>
-              <a:t>07-03-2021</a:t>
+              <a:t>11-03-2021</a:t>
             </a:fld>
             <a:endParaRPr lang="en-IN"/>
           </a:p>
@@ -2778,7 +2781,7 @@
           <a:p>
             <a:fld id="{F62DDD48-7A92-484B-AA80-9D340441BF02}" type="datetimeFigureOut">
               <a:rPr lang="en-IN" smtClean="0"/>
-              <a:t>07-03-2021</a:t>
+              <a:t>11-03-2021</a:t>
             </a:fld>
             <a:endParaRPr lang="en-IN"/>
           </a:p>
@@ -2952,7 +2955,7 @@
           <a:p>
             <a:fld id="{F62DDD48-7A92-484B-AA80-9D340441BF02}" type="datetimeFigureOut">
               <a:rPr lang="en-IN" smtClean="0"/>
-              <a:t>07-03-2021</a:t>
+              <a:t>11-03-2021</a:t>
             </a:fld>
             <a:endParaRPr lang="en-IN"/>
           </a:p>
@@ -3132,7 +3135,7 @@
           <a:p>
             <a:fld id="{F62DDD48-7A92-484B-AA80-9D340441BF02}" type="datetimeFigureOut">
               <a:rPr lang="en-IN" smtClean="0"/>
-              <a:t>07-03-2021</a:t>
+              <a:t>11-03-2021</a:t>
             </a:fld>
             <a:endParaRPr lang="en-IN"/>
           </a:p>
@@ -3302,7 +3305,7 @@
           <a:p>
             <a:fld id="{F62DDD48-7A92-484B-AA80-9D340441BF02}" type="datetimeFigureOut">
               <a:rPr lang="en-IN" smtClean="0"/>
-              <a:t>07-03-2021</a:t>
+              <a:t>11-03-2021</a:t>
             </a:fld>
             <a:endParaRPr lang="en-IN"/>
           </a:p>
@@ -3553,7 +3556,7 @@
           <a:p>
             <a:fld id="{F62DDD48-7A92-484B-AA80-9D340441BF02}" type="datetimeFigureOut">
               <a:rPr lang="en-IN" smtClean="0"/>
-              <a:t>07-03-2021</a:t>
+              <a:t>11-03-2021</a:t>
             </a:fld>
             <a:endParaRPr lang="en-IN"/>
           </a:p>
@@ -3850,7 +3853,7 @@
           <a:p>
             <a:fld id="{F62DDD48-7A92-484B-AA80-9D340441BF02}" type="datetimeFigureOut">
               <a:rPr lang="en-IN" smtClean="0"/>
-              <a:t>07-03-2021</a:t>
+              <a:t>11-03-2021</a:t>
             </a:fld>
             <a:endParaRPr lang="en-IN"/>
           </a:p>
@@ -4292,7 +4295,7 @@
           <a:p>
             <a:fld id="{F62DDD48-7A92-484B-AA80-9D340441BF02}" type="datetimeFigureOut">
               <a:rPr lang="en-IN" smtClean="0"/>
-              <a:t>07-03-2021</a:t>
+              <a:t>11-03-2021</a:t>
             </a:fld>
             <a:endParaRPr lang="en-IN"/>
           </a:p>
@@ -4410,7 +4413,7 @@
           <a:p>
             <a:fld id="{F62DDD48-7A92-484B-AA80-9D340441BF02}" type="datetimeFigureOut">
               <a:rPr lang="en-IN" smtClean="0"/>
-              <a:t>07-03-2021</a:t>
+              <a:t>11-03-2021</a:t>
             </a:fld>
             <a:endParaRPr lang="en-IN"/>
           </a:p>
@@ -4505,7 +4508,7 @@
           <a:p>
             <a:fld id="{F62DDD48-7A92-484B-AA80-9D340441BF02}" type="datetimeFigureOut">
               <a:rPr lang="en-IN" smtClean="0"/>
-              <a:t>07-03-2021</a:t>
+              <a:t>11-03-2021</a:t>
             </a:fld>
             <a:endParaRPr lang="en-IN"/>
           </a:p>
@@ -4788,7 +4791,7 @@
           <a:p>
             <a:fld id="{F62DDD48-7A92-484B-AA80-9D340441BF02}" type="datetimeFigureOut">
               <a:rPr lang="en-IN" smtClean="0"/>
-              <a:t>07-03-2021</a:t>
+              <a:t>11-03-2021</a:t>
             </a:fld>
             <a:endParaRPr lang="en-IN"/>
           </a:p>
@@ -5079,7 +5082,7 @@
           <a:p>
             <a:fld id="{F62DDD48-7A92-484B-AA80-9D340441BF02}" type="datetimeFigureOut">
               <a:rPr lang="en-IN" smtClean="0"/>
-              <a:t>07-03-2021</a:t>
+              <a:t>11-03-2021</a:t>
             </a:fld>
             <a:endParaRPr lang="en-IN"/>
           </a:p>
@@ -5609,7 +5612,7 @@
           <a:p>
             <a:fld id="{F62DDD48-7A92-484B-AA80-9D340441BF02}" type="datetimeFigureOut">
               <a:rPr lang="en-IN" smtClean="0"/>
-              <a:t>07-03-2021</a:t>
+              <a:t>11-03-2021</a:t>
             </a:fld>
             <a:endParaRPr lang="en-IN"/>
           </a:p>
@@ -6522,6 +6525,677 @@
 </p:sld>
 </file>
 
+<file path=ppt/slides/slide5.xml><?xml version="1.0" encoding="utf-8"?>
+<p:sld xmlns:a="http://schemas.openxmlformats.org/drawingml/2006/main" xmlns:r="http://schemas.openxmlformats.org/officeDocument/2006/relationships" xmlns:p="http://schemas.openxmlformats.org/presentationml/2006/main">
+  <p:cSld>
+    <p:spTree>
+      <p:nvGrpSpPr>
+        <p:cNvPr id="1" name=""/>
+        <p:cNvGrpSpPr/>
+        <p:nvPr/>
+      </p:nvGrpSpPr>
+      <p:grpSpPr>
+        <a:xfrm>
+          <a:off x="0" y="0"/>
+          <a:ext cx="0" cy="0"/>
+          <a:chOff x="0" y="0"/>
+          <a:chExt cx="0" cy="0"/>
+        </a:xfrm>
+      </p:grpSpPr>
+      <p:sp>
+        <p:nvSpPr>
+          <p:cNvPr id="2" name="Title 1"/>
+          <p:cNvSpPr>
+            <a:spLocks noGrp="1"/>
+          </p:cNvSpPr>
+          <p:nvPr>
+            <p:ph type="title"/>
+          </p:nvPr>
+        </p:nvSpPr>
+        <p:spPr/>
+        <p:txBody>
+          <a:bodyPr/>
+          <a:lstStyle/>
+          <a:p>
+            <a:r>
+              <a:rPr lang="en-US" dirty="0" smtClean="0"/>
+              <a:t>About Data</a:t>
+            </a:r>
+            <a:endParaRPr lang="en-IN" dirty="0"/>
+          </a:p>
+        </p:txBody>
+      </p:sp>
+      <p:pic>
+        <p:nvPicPr>
+          <p:cNvPr id="4" name="Content Placeholder 3"/>
+          <p:cNvPicPr>
+            <a:picLocks noGrp="1" noChangeAspect="1"/>
+          </p:cNvPicPr>
+          <p:nvPr>
+            <p:ph idx="1"/>
+          </p:nvPr>
+        </p:nvPicPr>
+        <p:blipFill rotWithShape="1">
+          <a:blip r:embed="rId2" cstate="print">
+            <a:extLst>
+              <a:ext uri="{28A0092B-C50C-407E-A947-70E740481C1C}">
+                <a14:useLocalDpi xmlns:a14="http://schemas.microsoft.com/office/drawing/2010/main" val="0"/>
+              </a:ext>
+            </a:extLst>
+          </a:blip>
+          <a:srcRect r="48099" b="55333"/>
+          <a:stretch/>
+        </p:blipFill>
+        <p:spPr>
+          <a:xfrm>
+            <a:off x="2682557" y="2438399"/>
+            <a:ext cx="7622219" cy="3519055"/>
+          </a:xfrm>
+        </p:spPr>
+      </p:pic>
+    </p:spTree>
+    <p:extLst>
+      <p:ext uri="{BB962C8B-B14F-4D97-AF65-F5344CB8AC3E}">
+        <p14:creationId xmlns:p14="http://schemas.microsoft.com/office/powerpoint/2010/main" val="2066848171"/>
+      </p:ext>
+    </p:extLst>
+  </p:cSld>
+  <p:clrMapOvr>
+    <a:masterClrMapping/>
+  </p:clrMapOvr>
+</p:sld>
+</file>
+
+<file path=ppt/slides/slide6.xml><?xml version="1.0" encoding="utf-8"?>
+<p:sld xmlns:a="http://schemas.openxmlformats.org/drawingml/2006/main" xmlns:r="http://schemas.openxmlformats.org/officeDocument/2006/relationships" xmlns:p="http://schemas.openxmlformats.org/presentationml/2006/main">
+  <p:cSld>
+    <p:spTree>
+      <p:nvGrpSpPr>
+        <p:cNvPr id="1" name=""/>
+        <p:cNvGrpSpPr/>
+        <p:nvPr/>
+      </p:nvGrpSpPr>
+      <p:grpSpPr>
+        <a:xfrm>
+          <a:off x="0" y="0"/>
+          <a:ext cx="0" cy="0"/>
+          <a:chOff x="0" y="0"/>
+          <a:chExt cx="0" cy="0"/>
+        </a:xfrm>
+      </p:grpSpPr>
+      <p:sp>
+        <p:nvSpPr>
+          <p:cNvPr id="2" name="Title 1"/>
+          <p:cNvSpPr>
+            <a:spLocks noGrp="1"/>
+          </p:cNvSpPr>
+          <p:nvPr>
+            <p:ph type="title"/>
+          </p:nvPr>
+        </p:nvSpPr>
+        <p:spPr/>
+        <p:txBody>
+          <a:bodyPr/>
+          <a:lstStyle/>
+          <a:p>
+            <a:r>
+              <a:rPr lang="en-US" dirty="0" smtClean="0"/>
+              <a:t>Difference between each Data Item</a:t>
+            </a:r>
+            <a:endParaRPr lang="en-IN" dirty="0"/>
+          </a:p>
+        </p:txBody>
+      </p:sp>
+      <p:sp>
+        <p:nvSpPr>
+          <p:cNvPr id="3" name="Content Placeholder 2"/>
+          <p:cNvSpPr>
+            <a:spLocks noGrp="1"/>
+          </p:cNvSpPr>
+          <p:nvPr>
+            <p:ph idx="1"/>
+          </p:nvPr>
+        </p:nvSpPr>
+        <p:spPr/>
+        <p:txBody>
+          <a:bodyPr/>
+          <a:lstStyle/>
+          <a:p>
+            <a:r>
+              <a:rPr lang="en-US" dirty="0" smtClean="0"/>
+              <a:t>Train Data:- This data is used while Training the ML model</a:t>
+            </a:r>
+          </a:p>
+          <a:p>
+            <a:r>
+              <a:rPr lang="en-US" dirty="0" smtClean="0"/>
+              <a:t>Test Data:- This data is used for testing the results.</a:t>
+            </a:r>
+          </a:p>
+          <a:p>
+            <a:r>
+              <a:rPr lang="en-US" dirty="0" smtClean="0"/>
+              <a:t>Vali Data:- This data is just to validate the training data sporadically.</a:t>
+            </a:r>
+            <a:endParaRPr lang="en-IN" dirty="0"/>
+          </a:p>
+        </p:txBody>
+      </p:sp>
+    </p:spTree>
+    <p:extLst>
+      <p:ext uri="{BB962C8B-B14F-4D97-AF65-F5344CB8AC3E}">
+        <p14:creationId xmlns:p14="http://schemas.microsoft.com/office/powerpoint/2010/main" val="2025633450"/>
+      </p:ext>
+    </p:extLst>
+  </p:cSld>
+  <p:clrMapOvr>
+    <a:masterClrMapping/>
+  </p:clrMapOvr>
+</p:sld>
+</file>
+
+<file path=ppt/slides/slide7.xml><?xml version="1.0" encoding="utf-8"?>
+<p:sld xmlns:a="http://schemas.openxmlformats.org/drawingml/2006/main" xmlns:r="http://schemas.openxmlformats.org/officeDocument/2006/relationships" xmlns:p="http://schemas.openxmlformats.org/presentationml/2006/main">
+  <p:cSld>
+    <p:spTree>
+      <p:nvGrpSpPr>
+        <p:cNvPr id="1" name=""/>
+        <p:cNvGrpSpPr/>
+        <p:nvPr/>
+      </p:nvGrpSpPr>
+      <p:grpSpPr>
+        <a:xfrm>
+          <a:off x="0" y="0"/>
+          <a:ext cx="0" cy="0"/>
+          <a:chOff x="0" y="0"/>
+          <a:chExt cx="0" cy="0"/>
+        </a:xfrm>
+      </p:grpSpPr>
+      <p:sp>
+        <p:nvSpPr>
+          <p:cNvPr id="2" name="Title 1"/>
+          <p:cNvSpPr>
+            <a:spLocks noGrp="1"/>
+          </p:cNvSpPr>
+          <p:nvPr>
+            <p:ph type="title"/>
+          </p:nvPr>
+        </p:nvSpPr>
+        <p:spPr/>
+        <p:txBody>
+          <a:bodyPr/>
+          <a:lstStyle/>
+          <a:p>
+            <a:r>
+              <a:rPr lang="en-US" dirty="0" smtClean="0"/>
+              <a:t>Pictures of Train, Test and Vali Data</a:t>
+            </a:r>
+            <a:endParaRPr lang="en-IN" dirty="0"/>
+          </a:p>
+        </p:txBody>
+      </p:sp>
+      <p:pic>
+        <p:nvPicPr>
+          <p:cNvPr id="4" name="Content Placeholder 3"/>
+          <p:cNvPicPr>
+            <a:picLocks noGrp="1" noChangeAspect="1"/>
+          </p:cNvPicPr>
+          <p:nvPr>
+            <p:ph idx="1"/>
+          </p:nvPr>
+        </p:nvPicPr>
+        <p:blipFill>
+          <a:blip r:embed="rId2">
+            <a:extLst>
+              <a:ext uri="{28A0092B-C50C-407E-A947-70E740481C1C}">
+                <a14:useLocalDpi xmlns:a14="http://schemas.microsoft.com/office/drawing/2010/main" val="0"/>
+              </a:ext>
+            </a:extLst>
+          </a:blip>
+          <a:stretch>
+            <a:fillRect/>
+          </a:stretch>
+        </p:blipFill>
+        <p:spPr>
+          <a:xfrm>
+            <a:off x="2351488" y="2438710"/>
+            <a:ext cx="1781959" cy="1781959"/>
+          </a:xfrm>
+        </p:spPr>
+      </p:pic>
+      <p:pic>
+        <p:nvPicPr>
+          <p:cNvPr id="5" name="Picture 4"/>
+          <p:cNvPicPr>
+            <a:picLocks noChangeAspect="1"/>
+          </p:cNvPicPr>
+          <p:nvPr/>
+        </p:nvPicPr>
+        <p:blipFill>
+          <a:blip r:embed="rId3">
+            <a:extLst>
+              <a:ext uri="{28A0092B-C50C-407E-A947-70E740481C1C}">
+                <a14:useLocalDpi xmlns:a14="http://schemas.microsoft.com/office/drawing/2010/main" val="0"/>
+              </a:ext>
+            </a:extLst>
+          </a:blip>
+          <a:stretch>
+            <a:fillRect/>
+          </a:stretch>
+        </p:blipFill>
+        <p:spPr>
+          <a:xfrm>
+            <a:off x="462478" y="2438710"/>
+            <a:ext cx="1781959" cy="1781959"/>
+          </a:xfrm>
+          <a:prstGeom prst="rect">
+            <a:avLst/>
+          </a:prstGeom>
+        </p:spPr>
+      </p:pic>
+      <p:pic>
+        <p:nvPicPr>
+          <p:cNvPr id="7" name="Picture 6"/>
+          <p:cNvPicPr>
+            <a:picLocks noChangeAspect="1"/>
+          </p:cNvPicPr>
+          <p:nvPr/>
+        </p:nvPicPr>
+        <p:blipFill>
+          <a:blip r:embed="rId4">
+            <a:extLst>
+              <a:ext uri="{28A0092B-C50C-407E-A947-70E740481C1C}">
+                <a14:useLocalDpi xmlns:a14="http://schemas.microsoft.com/office/drawing/2010/main" val="0"/>
+              </a:ext>
+            </a:extLst>
+          </a:blip>
+          <a:stretch>
+            <a:fillRect/>
+          </a:stretch>
+        </p:blipFill>
+        <p:spPr>
+          <a:xfrm>
+            <a:off x="6129508" y="2438399"/>
+            <a:ext cx="1782270" cy="1782270"/>
+          </a:xfrm>
+          <a:prstGeom prst="rect">
+            <a:avLst/>
+          </a:prstGeom>
+        </p:spPr>
+      </p:pic>
+      <p:pic>
+        <p:nvPicPr>
+          <p:cNvPr id="8" name="Picture 7"/>
+          <p:cNvPicPr>
+            <a:picLocks noChangeAspect="1"/>
+          </p:cNvPicPr>
+          <p:nvPr/>
+        </p:nvPicPr>
+        <p:blipFill>
+          <a:blip r:embed="rId5">
+            <a:extLst>
+              <a:ext uri="{28A0092B-C50C-407E-A947-70E740481C1C}">
+                <a14:useLocalDpi xmlns:a14="http://schemas.microsoft.com/office/drawing/2010/main" val="0"/>
+              </a:ext>
+            </a:extLst>
+          </a:blip>
+          <a:stretch>
+            <a:fillRect/>
+          </a:stretch>
+        </p:blipFill>
+        <p:spPr>
+          <a:xfrm>
+            <a:off x="9907528" y="2438399"/>
+            <a:ext cx="1782270" cy="1782270"/>
+          </a:xfrm>
+          <a:prstGeom prst="rect">
+            <a:avLst/>
+          </a:prstGeom>
+        </p:spPr>
+      </p:pic>
+      <p:pic>
+        <p:nvPicPr>
+          <p:cNvPr id="9" name="Picture 8"/>
+          <p:cNvPicPr>
+            <a:picLocks noChangeAspect="1"/>
+          </p:cNvPicPr>
+          <p:nvPr/>
+        </p:nvPicPr>
+        <p:blipFill>
+          <a:blip r:embed="rId6">
+            <a:extLst>
+              <a:ext uri="{28A0092B-C50C-407E-A947-70E740481C1C}">
+                <a14:useLocalDpi xmlns:a14="http://schemas.microsoft.com/office/drawing/2010/main" val="0"/>
+              </a:ext>
+            </a:extLst>
+          </a:blip>
+          <a:stretch>
+            <a:fillRect/>
+          </a:stretch>
+        </p:blipFill>
+        <p:spPr>
+          <a:xfrm>
+            <a:off x="8018518" y="2438399"/>
+            <a:ext cx="1782270" cy="1782270"/>
+          </a:xfrm>
+          <a:prstGeom prst="rect">
+            <a:avLst/>
+          </a:prstGeom>
+        </p:spPr>
+      </p:pic>
+      <p:sp>
+        <p:nvSpPr>
+          <p:cNvPr id="10" name="TextBox 9"/>
+          <p:cNvSpPr txBox="1"/>
+          <p:nvPr/>
+        </p:nvSpPr>
+        <p:spPr>
+          <a:xfrm>
+            <a:off x="1912583" y="5015345"/>
+            <a:ext cx="663708" cy="369332"/>
+          </a:xfrm>
+          <a:prstGeom prst="rect">
+            <a:avLst/>
+          </a:prstGeom>
+          <a:noFill/>
+        </p:spPr>
+        <p:txBody>
+          <a:bodyPr wrap="none" rtlCol="0">
+            <a:spAutoFit/>
+          </a:bodyPr>
+          <a:lstStyle/>
+          <a:p>
+            <a:r>
+              <a:rPr lang="en-US" dirty="0" smtClean="0"/>
+              <a:t>Train</a:t>
+            </a:r>
+            <a:endParaRPr lang="en-IN" dirty="0"/>
+          </a:p>
+        </p:txBody>
+      </p:sp>
+      <p:sp>
+        <p:nvSpPr>
+          <p:cNvPr id="11" name="TextBox 10"/>
+          <p:cNvSpPr txBox="1"/>
+          <p:nvPr/>
+        </p:nvSpPr>
+        <p:spPr>
+          <a:xfrm>
+            <a:off x="5729075" y="5015345"/>
+            <a:ext cx="586764" cy="369332"/>
+          </a:xfrm>
+          <a:prstGeom prst="rect">
+            <a:avLst/>
+          </a:prstGeom>
+          <a:noFill/>
+        </p:spPr>
+        <p:txBody>
+          <a:bodyPr wrap="none" rtlCol="0">
+            <a:spAutoFit/>
+          </a:bodyPr>
+          <a:lstStyle/>
+          <a:p>
+            <a:r>
+              <a:rPr lang="en-US" dirty="0" smtClean="0"/>
+              <a:t>Test</a:t>
+            </a:r>
+            <a:endParaRPr lang="en-IN" dirty="0"/>
+          </a:p>
+        </p:txBody>
+      </p:sp>
+      <p:sp>
+        <p:nvSpPr>
+          <p:cNvPr id="12" name="TextBox 11"/>
+          <p:cNvSpPr txBox="1"/>
+          <p:nvPr/>
+        </p:nvSpPr>
+        <p:spPr>
+          <a:xfrm>
+            <a:off x="9528918" y="5015345"/>
+            <a:ext cx="543739" cy="369332"/>
+          </a:xfrm>
+          <a:prstGeom prst="rect">
+            <a:avLst/>
+          </a:prstGeom>
+          <a:noFill/>
+        </p:spPr>
+        <p:txBody>
+          <a:bodyPr wrap="none" rtlCol="0">
+            <a:spAutoFit/>
+          </a:bodyPr>
+          <a:lstStyle/>
+          <a:p>
+            <a:r>
+              <a:rPr lang="en-US" dirty="0" smtClean="0"/>
+              <a:t>Vali</a:t>
+            </a:r>
+            <a:endParaRPr lang="en-IN" dirty="0"/>
+          </a:p>
+        </p:txBody>
+      </p:sp>
+      <p:sp>
+        <p:nvSpPr>
+          <p:cNvPr id="13" name="TextBox 12"/>
+          <p:cNvSpPr txBox="1"/>
+          <p:nvPr/>
+        </p:nvSpPr>
+        <p:spPr>
+          <a:xfrm>
+            <a:off x="2968994" y="4516292"/>
+            <a:ext cx="546945" cy="369332"/>
+          </a:xfrm>
+          <a:prstGeom prst="rect">
+            <a:avLst/>
+          </a:prstGeom>
+          <a:noFill/>
+        </p:spPr>
+        <p:txBody>
+          <a:bodyPr wrap="none" rtlCol="0">
+            <a:spAutoFit/>
+          </a:bodyPr>
+          <a:lstStyle/>
+          <a:p>
+            <a:r>
+              <a:rPr lang="en-US" dirty="0" smtClean="0"/>
+              <a:t>Fire</a:t>
+            </a:r>
+            <a:endParaRPr lang="en-IN" dirty="0"/>
+          </a:p>
+        </p:txBody>
+      </p:sp>
+      <p:sp>
+        <p:nvSpPr>
+          <p:cNvPr id="14" name="TextBox 13"/>
+          <p:cNvSpPr txBox="1"/>
+          <p:nvPr/>
+        </p:nvSpPr>
+        <p:spPr>
+          <a:xfrm>
+            <a:off x="853961" y="4516292"/>
+            <a:ext cx="998991" cy="369332"/>
+          </a:xfrm>
+          <a:prstGeom prst="rect">
+            <a:avLst/>
+          </a:prstGeom>
+          <a:noFill/>
+        </p:spPr>
+        <p:txBody>
+          <a:bodyPr wrap="none" rtlCol="0">
+            <a:spAutoFit/>
+          </a:bodyPr>
+          <a:lstStyle/>
+          <a:p>
+            <a:r>
+              <a:rPr lang="en-US" dirty="0" smtClean="0"/>
+              <a:t>Non Fire</a:t>
+            </a:r>
+            <a:endParaRPr lang="en-IN" dirty="0"/>
+          </a:p>
+        </p:txBody>
+      </p:sp>
+      <p:sp>
+        <p:nvSpPr>
+          <p:cNvPr id="15" name="TextBox 14"/>
+          <p:cNvSpPr txBox="1"/>
+          <p:nvPr/>
+        </p:nvSpPr>
+        <p:spPr>
+          <a:xfrm>
+            <a:off x="10525190" y="4479522"/>
+            <a:ext cx="546945" cy="369332"/>
+          </a:xfrm>
+          <a:prstGeom prst="rect">
+            <a:avLst/>
+          </a:prstGeom>
+          <a:noFill/>
+        </p:spPr>
+        <p:txBody>
+          <a:bodyPr wrap="none" rtlCol="0">
+            <a:spAutoFit/>
+          </a:bodyPr>
+          <a:lstStyle/>
+          <a:p>
+            <a:r>
+              <a:rPr lang="en-US" dirty="0" smtClean="0"/>
+              <a:t>Fire</a:t>
+            </a:r>
+            <a:endParaRPr lang="en-IN" dirty="0"/>
+          </a:p>
+        </p:txBody>
+      </p:sp>
+      <p:sp>
+        <p:nvSpPr>
+          <p:cNvPr id="16" name="TextBox 15"/>
+          <p:cNvSpPr txBox="1"/>
+          <p:nvPr/>
+        </p:nvSpPr>
+        <p:spPr>
+          <a:xfrm>
+            <a:off x="4858004" y="4516292"/>
+            <a:ext cx="546945" cy="369332"/>
+          </a:xfrm>
+          <a:prstGeom prst="rect">
+            <a:avLst/>
+          </a:prstGeom>
+          <a:noFill/>
+        </p:spPr>
+        <p:txBody>
+          <a:bodyPr wrap="none" rtlCol="0">
+            <a:spAutoFit/>
+          </a:bodyPr>
+          <a:lstStyle/>
+          <a:p>
+            <a:r>
+              <a:rPr lang="en-US" dirty="0" smtClean="0"/>
+              <a:t>Fire</a:t>
+            </a:r>
+            <a:endParaRPr lang="en-IN" dirty="0"/>
+          </a:p>
+        </p:txBody>
+      </p:sp>
+      <p:sp>
+        <p:nvSpPr>
+          <p:cNvPr id="17" name="TextBox 16"/>
+          <p:cNvSpPr txBox="1"/>
+          <p:nvPr/>
+        </p:nvSpPr>
+        <p:spPr>
+          <a:xfrm>
+            <a:off x="8410157" y="4516292"/>
+            <a:ext cx="998991" cy="369332"/>
+          </a:xfrm>
+          <a:prstGeom prst="rect">
+            <a:avLst/>
+          </a:prstGeom>
+          <a:noFill/>
+        </p:spPr>
+        <p:txBody>
+          <a:bodyPr wrap="none" rtlCol="0">
+            <a:spAutoFit/>
+          </a:bodyPr>
+          <a:lstStyle/>
+          <a:p>
+            <a:r>
+              <a:rPr lang="en-US" dirty="0" smtClean="0"/>
+              <a:t>Non Fire</a:t>
+            </a:r>
+            <a:endParaRPr lang="en-IN" dirty="0"/>
+          </a:p>
+        </p:txBody>
+      </p:sp>
+      <p:sp>
+        <p:nvSpPr>
+          <p:cNvPr id="18" name="TextBox 17"/>
+          <p:cNvSpPr txBox="1"/>
+          <p:nvPr/>
+        </p:nvSpPr>
+        <p:spPr>
+          <a:xfrm>
+            <a:off x="6523236" y="4516292"/>
+            <a:ext cx="998991" cy="369332"/>
+          </a:xfrm>
+          <a:prstGeom prst="rect">
+            <a:avLst/>
+          </a:prstGeom>
+          <a:noFill/>
+        </p:spPr>
+        <p:txBody>
+          <a:bodyPr wrap="none" rtlCol="0">
+            <a:spAutoFit/>
+          </a:bodyPr>
+          <a:lstStyle/>
+          <a:p>
+            <a:r>
+              <a:rPr lang="en-US" dirty="0" smtClean="0"/>
+              <a:t>Non Fire</a:t>
+            </a:r>
+            <a:endParaRPr lang="en-IN" dirty="0"/>
+          </a:p>
+        </p:txBody>
+      </p:sp>
+      <p:pic>
+        <p:nvPicPr>
+          <p:cNvPr id="19" name="Picture 18"/>
+          <p:cNvPicPr>
+            <a:picLocks noChangeAspect="1"/>
+          </p:cNvPicPr>
+          <p:nvPr/>
+        </p:nvPicPr>
+        <p:blipFill>
+          <a:blip r:embed="rId7">
+            <a:extLst>
+              <a:ext uri="{28A0092B-C50C-407E-A947-70E740481C1C}">
+                <a14:useLocalDpi xmlns:a14="http://schemas.microsoft.com/office/drawing/2010/main" val="0"/>
+              </a:ext>
+            </a:extLst>
+          </a:blip>
+          <a:stretch>
+            <a:fillRect/>
+          </a:stretch>
+        </p:blipFill>
+        <p:spPr>
+          <a:xfrm>
+            <a:off x="4240187" y="2438399"/>
+            <a:ext cx="1782270" cy="1782270"/>
+          </a:xfrm>
+          <a:prstGeom prst="rect">
+            <a:avLst/>
+          </a:prstGeom>
+        </p:spPr>
+      </p:pic>
+    </p:spTree>
+    <p:extLst>
+      <p:ext uri="{BB962C8B-B14F-4D97-AF65-F5344CB8AC3E}">
+        <p14:creationId xmlns:p14="http://schemas.microsoft.com/office/powerpoint/2010/main" val="49688248"/>
+      </p:ext>
+    </p:extLst>
+  </p:cSld>
+  <p:clrMapOvr>
+    <a:masterClrMapping/>
+  </p:clrMapOvr>
+</p:sld>
+</file>
+
 <file path=ppt/theme/theme1.xml><?xml version="1.0" encoding="utf-8"?>
 <a:theme xmlns:a="http://schemas.openxmlformats.org/drawingml/2006/main" name="Parallax">
   <a:themeElements>
